--- a/(宣道詩277)樂哉主臨.pptx
+++ b/(宣道詩277)樂哉主臨.pptx
@@ -10,7 +10,7 @@
     <p:sldId id="258" r:id="rId4"/>
     <p:sldId id="259" r:id="rId5"/>
   </p:sldIdLst>
-  <p:sldSz cx="9144000" cy="6858000" type="screen4x3"/>
+  <p:sldSz cx="9144000" cy="5143500" type="screen16x9"/>
   <p:notesSz cx="6858000" cy="9144000"/>
   <p:defaultTextStyle>
     <a:defPPr>
@@ -139,8 +139,8 @@
         </p:nvSpPr>
         <p:spPr>
           <a:xfrm>
-            <a:off x="685800" y="2130425"/>
-            <a:ext cx="7772400" cy="1470025"/>
+            <a:off x="685800" y="1597819"/>
+            <a:ext cx="7772400" cy="1102519"/>
           </a:xfrm>
         </p:spPr>
         <p:txBody>
@@ -167,8 +167,8 @@
         </p:nvSpPr>
         <p:spPr>
           <a:xfrm>
-            <a:off x="1371600" y="3886200"/>
-            <a:ext cx="6400800" cy="1752600"/>
+            <a:off x="1371600" y="2914650"/>
+            <a:ext cx="6400800" cy="1314450"/>
           </a:xfrm>
         </p:spPr>
         <p:txBody>
@@ -292,7 +292,7 @@
             <a:fld id="{F9AA1901-98BA-417C-9055-632AEBF87FEE}" type="datetimeFigureOut">
               <a:rPr lang="zh-TW" altLang="en-US" smtClean="0"/>
               <a:pPr/>
-              <a:t>2017/12/23</a:t>
+              <a:t>2019/12/21</a:t>
             </a:fld>
             <a:endParaRPr lang="zh-TW" altLang="en-US"/>
           </a:p>
@@ -459,7 +459,7 @@
             <a:fld id="{F9AA1901-98BA-417C-9055-632AEBF87FEE}" type="datetimeFigureOut">
               <a:rPr lang="zh-TW" altLang="en-US" smtClean="0"/>
               <a:pPr/>
-              <a:t>2017/12/23</a:t>
+              <a:t>2019/12/21</a:t>
             </a:fld>
             <a:endParaRPr lang="zh-TW" altLang="en-US"/>
           </a:p>
@@ -545,8 +545,8 @@
         </p:nvSpPr>
         <p:spPr>
           <a:xfrm>
-            <a:off x="6629400" y="274638"/>
-            <a:ext cx="2057400" cy="5851525"/>
+            <a:off x="6629400" y="205979"/>
+            <a:ext cx="2057400" cy="4388644"/>
           </a:xfrm>
         </p:spPr>
         <p:txBody>
@@ -573,8 +573,8 @@
         </p:nvSpPr>
         <p:spPr>
           <a:xfrm>
-            <a:off x="457200" y="274638"/>
-            <a:ext cx="6019800" cy="5851525"/>
+            <a:off x="457200" y="205979"/>
+            <a:ext cx="6019800" cy="4388644"/>
           </a:xfrm>
         </p:spPr>
         <p:txBody>
@@ -636,7 +636,7 @@
             <a:fld id="{F9AA1901-98BA-417C-9055-632AEBF87FEE}" type="datetimeFigureOut">
               <a:rPr lang="zh-TW" altLang="en-US" smtClean="0"/>
               <a:pPr/>
-              <a:t>2017/12/23</a:t>
+              <a:t>2019/12/21</a:t>
             </a:fld>
             <a:endParaRPr lang="zh-TW" altLang="en-US"/>
           </a:p>
@@ -803,7 +803,7 @@
             <a:fld id="{F9AA1901-98BA-417C-9055-632AEBF87FEE}" type="datetimeFigureOut">
               <a:rPr lang="zh-TW" altLang="en-US" smtClean="0"/>
               <a:pPr/>
-              <a:t>2017/12/23</a:t>
+              <a:t>2019/12/21</a:t>
             </a:fld>
             <a:endParaRPr lang="zh-TW" altLang="en-US"/>
           </a:p>
@@ -889,8 +889,8 @@
         </p:nvSpPr>
         <p:spPr>
           <a:xfrm>
-            <a:off x="722313" y="4406900"/>
-            <a:ext cx="7772400" cy="1362075"/>
+            <a:off x="722313" y="3305176"/>
+            <a:ext cx="7772400" cy="1021556"/>
           </a:xfrm>
         </p:spPr>
         <p:txBody>
@@ -921,8 +921,8 @@
         </p:nvSpPr>
         <p:spPr>
           <a:xfrm>
-            <a:off x="722313" y="2906713"/>
-            <a:ext cx="7772400" cy="1500187"/>
+            <a:off x="722313" y="2180035"/>
+            <a:ext cx="7772400" cy="1125140"/>
           </a:xfrm>
         </p:spPr>
         <p:txBody>
@@ -1046,7 +1046,7 @@
             <a:fld id="{F9AA1901-98BA-417C-9055-632AEBF87FEE}" type="datetimeFigureOut">
               <a:rPr lang="zh-TW" altLang="en-US" smtClean="0"/>
               <a:pPr/>
-              <a:t>2017/12/23</a:t>
+              <a:t>2019/12/21</a:t>
             </a:fld>
             <a:endParaRPr lang="zh-TW" altLang="en-US"/>
           </a:p>
@@ -1155,8 +1155,8 @@
         </p:nvSpPr>
         <p:spPr>
           <a:xfrm>
-            <a:off x="457200" y="1600200"/>
-            <a:ext cx="4038600" cy="4525963"/>
+            <a:off x="457200" y="1200151"/>
+            <a:ext cx="4038600" cy="3394472"/>
           </a:xfrm>
         </p:spPr>
         <p:txBody>
@@ -1240,8 +1240,8 @@
         </p:nvSpPr>
         <p:spPr>
           <a:xfrm>
-            <a:off x="4648200" y="1600200"/>
-            <a:ext cx="4038600" cy="4525963"/>
+            <a:off x="4648200" y="1200151"/>
+            <a:ext cx="4038600" cy="3394472"/>
           </a:xfrm>
         </p:spPr>
         <p:txBody>
@@ -1331,7 +1331,7 @@
             <a:fld id="{F9AA1901-98BA-417C-9055-632AEBF87FEE}" type="datetimeFigureOut">
               <a:rPr lang="zh-TW" altLang="en-US" smtClean="0"/>
               <a:pPr/>
-              <a:t>2017/12/23</a:t>
+              <a:t>2019/12/21</a:t>
             </a:fld>
             <a:endParaRPr lang="zh-TW" altLang="en-US"/>
           </a:p>
@@ -1444,8 +1444,8 @@
         </p:nvSpPr>
         <p:spPr>
           <a:xfrm>
-            <a:off x="457200" y="1535113"/>
-            <a:ext cx="4040188" cy="639762"/>
+            <a:off x="457200" y="1151335"/>
+            <a:ext cx="4040188" cy="479822"/>
           </a:xfrm>
         </p:spPr>
         <p:txBody>
@@ -1509,8 +1509,8 @@
         </p:nvSpPr>
         <p:spPr>
           <a:xfrm>
-            <a:off x="457200" y="2174875"/>
-            <a:ext cx="4040188" cy="3951288"/>
+            <a:off x="457200" y="1631156"/>
+            <a:ext cx="4040188" cy="2963466"/>
           </a:xfrm>
         </p:spPr>
         <p:txBody>
@@ -1594,8 +1594,8 @@
         </p:nvSpPr>
         <p:spPr>
           <a:xfrm>
-            <a:off x="4645025" y="1535113"/>
-            <a:ext cx="4041775" cy="639762"/>
+            <a:off x="4645026" y="1151335"/>
+            <a:ext cx="4041775" cy="479822"/>
           </a:xfrm>
         </p:spPr>
         <p:txBody>
@@ -1659,8 +1659,8 @@
         </p:nvSpPr>
         <p:spPr>
           <a:xfrm>
-            <a:off x="4645025" y="2174875"/>
-            <a:ext cx="4041775" cy="3951288"/>
+            <a:off x="4645026" y="1631156"/>
+            <a:ext cx="4041775" cy="2963466"/>
           </a:xfrm>
         </p:spPr>
         <p:txBody>
@@ -1750,7 +1750,7 @@
             <a:fld id="{F9AA1901-98BA-417C-9055-632AEBF87FEE}" type="datetimeFigureOut">
               <a:rPr lang="zh-TW" altLang="en-US" smtClean="0"/>
               <a:pPr/>
-              <a:t>2017/12/23</a:t>
+              <a:t>2019/12/21</a:t>
             </a:fld>
             <a:endParaRPr lang="zh-TW" altLang="en-US"/>
           </a:p>
@@ -1865,7 +1865,7 @@
             <a:fld id="{F9AA1901-98BA-417C-9055-632AEBF87FEE}" type="datetimeFigureOut">
               <a:rPr lang="zh-TW" altLang="en-US" smtClean="0"/>
               <a:pPr/>
-              <a:t>2017/12/23</a:t>
+              <a:t>2019/12/21</a:t>
             </a:fld>
             <a:endParaRPr lang="zh-TW" altLang="en-US"/>
           </a:p>
@@ -1957,7 +1957,7 @@
             <a:fld id="{F9AA1901-98BA-417C-9055-632AEBF87FEE}" type="datetimeFigureOut">
               <a:rPr lang="zh-TW" altLang="en-US" smtClean="0"/>
               <a:pPr/>
-              <a:t>2017/12/23</a:t>
+              <a:t>2019/12/21</a:t>
             </a:fld>
             <a:endParaRPr lang="zh-TW" altLang="en-US"/>
           </a:p>
@@ -2043,8 +2043,8 @@
         </p:nvSpPr>
         <p:spPr>
           <a:xfrm>
-            <a:off x="457200" y="273050"/>
-            <a:ext cx="3008313" cy="1162050"/>
+            <a:off x="457201" y="204787"/>
+            <a:ext cx="3008313" cy="871538"/>
           </a:xfrm>
         </p:spPr>
         <p:txBody>
@@ -2075,8 +2075,8 @@
         </p:nvSpPr>
         <p:spPr>
           <a:xfrm>
-            <a:off x="3575050" y="273050"/>
-            <a:ext cx="5111750" cy="5853113"/>
+            <a:off x="3575050" y="204788"/>
+            <a:ext cx="5111750" cy="4389835"/>
           </a:xfrm>
         </p:spPr>
         <p:txBody>
@@ -2160,8 +2160,8 @@
         </p:nvSpPr>
         <p:spPr>
           <a:xfrm>
-            <a:off x="457200" y="1435100"/>
-            <a:ext cx="3008313" cy="4691063"/>
+            <a:off x="457201" y="1076326"/>
+            <a:ext cx="3008313" cy="3518297"/>
           </a:xfrm>
         </p:spPr>
         <p:txBody>
@@ -2231,7 +2231,7 @@
             <a:fld id="{F9AA1901-98BA-417C-9055-632AEBF87FEE}" type="datetimeFigureOut">
               <a:rPr lang="zh-TW" altLang="en-US" smtClean="0"/>
               <a:pPr/>
-              <a:t>2017/12/23</a:t>
+              <a:t>2019/12/21</a:t>
             </a:fld>
             <a:endParaRPr lang="zh-TW" altLang="en-US"/>
           </a:p>
@@ -2317,8 +2317,8 @@
         </p:nvSpPr>
         <p:spPr>
           <a:xfrm>
-            <a:off x="1792288" y="4800600"/>
-            <a:ext cx="5486400" cy="566738"/>
+            <a:off x="1792288" y="3600450"/>
+            <a:ext cx="5486400" cy="425054"/>
           </a:xfrm>
         </p:spPr>
         <p:txBody>
@@ -2349,8 +2349,8 @@
         </p:nvSpPr>
         <p:spPr>
           <a:xfrm>
-            <a:off x="1792288" y="612775"/>
-            <a:ext cx="5486400" cy="4114800"/>
+            <a:off x="1792288" y="459581"/>
+            <a:ext cx="5486400" cy="3086100"/>
           </a:xfrm>
         </p:spPr>
         <p:txBody>
@@ -2414,8 +2414,8 @@
         </p:nvSpPr>
         <p:spPr>
           <a:xfrm>
-            <a:off x="1792288" y="5367338"/>
-            <a:ext cx="5486400" cy="804862"/>
+            <a:off x="1792288" y="4025503"/>
+            <a:ext cx="5486400" cy="603647"/>
           </a:xfrm>
         </p:spPr>
         <p:txBody>
@@ -2485,7 +2485,7 @@
             <a:fld id="{F9AA1901-98BA-417C-9055-632AEBF87FEE}" type="datetimeFigureOut">
               <a:rPr lang="zh-TW" altLang="en-US" smtClean="0"/>
               <a:pPr/>
-              <a:t>2017/12/23</a:t>
+              <a:t>2019/12/21</a:t>
             </a:fld>
             <a:endParaRPr lang="zh-TW" altLang="en-US"/>
           </a:p>
@@ -2581,8 +2581,8 @@
         </p:nvSpPr>
         <p:spPr>
           <a:xfrm>
-            <a:off x="457200" y="274638"/>
-            <a:ext cx="8229600" cy="1143000"/>
+            <a:off x="457200" y="205978"/>
+            <a:ext cx="8229600" cy="857250"/>
           </a:xfrm>
           <a:prstGeom prst="rect">
             <a:avLst/>
@@ -2614,8 +2614,8 @@
         </p:nvSpPr>
         <p:spPr>
           <a:xfrm>
-            <a:off x="457200" y="1600200"/>
-            <a:ext cx="8229600" cy="4525963"/>
+            <a:off x="457200" y="1200151"/>
+            <a:ext cx="8229600" cy="3394472"/>
           </a:xfrm>
           <a:prstGeom prst="rect">
             <a:avLst/>
@@ -2676,8 +2676,8 @@
         </p:nvSpPr>
         <p:spPr>
           <a:xfrm>
-            <a:off x="457200" y="6356350"/>
-            <a:ext cx="2133600" cy="365125"/>
+            <a:off x="457200" y="4767263"/>
+            <a:ext cx="2133600" cy="273844"/>
           </a:xfrm>
           <a:prstGeom prst="rect">
             <a:avLst/>
@@ -2700,7 +2700,7 @@
             <a:fld id="{F9AA1901-98BA-417C-9055-632AEBF87FEE}" type="datetimeFigureOut">
               <a:rPr lang="zh-TW" altLang="en-US" smtClean="0"/>
               <a:pPr/>
-              <a:t>2017/12/23</a:t>
+              <a:t>2019/12/21</a:t>
             </a:fld>
             <a:endParaRPr lang="zh-TW" altLang="en-US"/>
           </a:p>
@@ -2718,8 +2718,8 @@
         </p:nvSpPr>
         <p:spPr>
           <a:xfrm>
-            <a:off x="3124200" y="6356350"/>
-            <a:ext cx="2895600" cy="365125"/>
+            <a:off x="3124200" y="4767263"/>
+            <a:ext cx="2895600" cy="273844"/>
           </a:xfrm>
           <a:prstGeom prst="rect">
             <a:avLst/>
@@ -2755,8 +2755,8 @@
         </p:nvSpPr>
         <p:spPr>
           <a:xfrm>
-            <a:off x="6553200" y="6356350"/>
-            <a:ext cx="2133600" cy="365125"/>
+            <a:off x="6553200" y="4767263"/>
+            <a:ext cx="2133600" cy="273844"/>
           </a:xfrm>
           <a:prstGeom prst="rect">
             <a:avLst/>
@@ -3111,8 +3111,8 @@
         </p:nvSpPr>
         <p:spPr>
           <a:xfrm>
-            <a:off x="0" y="1600200"/>
-            <a:ext cx="9144000" cy="5257800"/>
+            <a:off x="0" y="1200150"/>
+            <a:ext cx="9144000" cy="3943350"/>
           </a:xfrm>
         </p:spPr>
         <p:txBody>
@@ -3222,6 +3222,13 @@
   <p:clrMapOvr>
     <a:masterClrMapping/>
   </p:clrMapOvr>
+  <p:timing>
+    <p:tnLst>
+      <p:par>
+        <p:cTn id="1" dur="indefinite" restart="never" nodeType="tmRoot"/>
+      </p:par>
+    </p:tnLst>
+  </p:timing>
 </p:sld>
 </file>
 
@@ -3282,8 +3289,8 @@
         </p:nvSpPr>
         <p:spPr>
           <a:xfrm>
-            <a:off x="0" y="1600200"/>
-            <a:ext cx="9144000" cy="5257800"/>
+            <a:off x="0" y="1200150"/>
+            <a:ext cx="9144000" cy="3943350"/>
           </a:xfrm>
         </p:spPr>
         <p:txBody>
@@ -3393,6 +3400,13 @@
   <p:clrMapOvr>
     <a:masterClrMapping/>
   </p:clrMapOvr>
+  <p:timing>
+    <p:tnLst>
+      <p:par>
+        <p:cTn id="1" dur="indefinite" restart="never" nodeType="tmRoot"/>
+      </p:par>
+    </p:tnLst>
+  </p:timing>
 </p:sld>
 </file>
 
@@ -3453,8 +3467,8 @@
         </p:nvSpPr>
         <p:spPr>
           <a:xfrm>
-            <a:off x="0" y="1600200"/>
-            <a:ext cx="9144000" cy="5257800"/>
+            <a:off x="0" y="1200150"/>
+            <a:ext cx="9144000" cy="3943350"/>
           </a:xfrm>
         </p:spPr>
         <p:txBody>
@@ -3564,6 +3578,13 @@
   <p:clrMapOvr>
     <a:masterClrMapping/>
   </p:clrMapOvr>
+  <p:timing>
+    <p:tnLst>
+      <p:par>
+        <p:cTn id="1" dur="indefinite" restart="never" nodeType="tmRoot"/>
+      </p:par>
+    </p:tnLst>
+  </p:timing>
 </p:sld>
 </file>
 
@@ -3624,8 +3645,8 @@
         </p:nvSpPr>
         <p:spPr>
           <a:xfrm>
-            <a:off x="0" y="1600200"/>
-            <a:ext cx="9144000" cy="5257800"/>
+            <a:off x="0" y="1200150"/>
+            <a:ext cx="9144000" cy="3943350"/>
           </a:xfrm>
         </p:spPr>
         <p:txBody>
@@ -3735,6 +3756,13 @@
   <p:clrMapOvr>
     <a:masterClrMapping/>
   </p:clrMapOvr>
+  <p:timing>
+    <p:tnLst>
+      <p:par>
+        <p:cTn id="1" dur="indefinite" restart="never" nodeType="tmRoot"/>
+      </p:par>
+    </p:tnLst>
+  </p:timing>
 </p:sld>
 </file>
 
